--- a/Project Management App.pptx
+++ b/Project Management App.pptx
@@ -5,7 +5,7 @@
     <p:sldMasterId id="2147483660" r:id="rId1"/>
   </p:sldMasterIdLst>
   <p:notesMasterIdLst>
-    <p:notesMasterId r:id="rId16"/>
+    <p:notesMasterId r:id="rId18"/>
   </p:notesMasterIdLst>
   <p:sldIdLst>
     <p:sldId id="258" r:id="rId2"/>
@@ -17,11 +17,13 @@
     <p:sldId id="264" r:id="rId8"/>
     <p:sldId id="268" r:id="rId9"/>
     <p:sldId id="269" r:id="rId10"/>
-    <p:sldId id="267" r:id="rId11"/>
-    <p:sldId id="273" r:id="rId12"/>
-    <p:sldId id="271" r:id="rId13"/>
-    <p:sldId id="265" r:id="rId14"/>
-    <p:sldId id="266" r:id="rId15"/>
+    <p:sldId id="274" r:id="rId11"/>
+    <p:sldId id="267" r:id="rId12"/>
+    <p:sldId id="273" r:id="rId13"/>
+    <p:sldId id="271" r:id="rId14"/>
+    <p:sldId id="275" r:id="rId15"/>
+    <p:sldId id="265" r:id="rId16"/>
+    <p:sldId id="266" r:id="rId17"/>
   </p:sldIdLst>
   <p:sldSz cx="9144000" cy="6858000" type="screen4x3"/>
   <p:notesSz cx="6858000" cy="9144000"/>
@@ -538,7 +540,7 @@
           <a:p>
             <a:fld id="{25E49212-4B38-465F-98FA-2C405BB86458}" type="slidenum">
               <a:rPr lang="en-US" smtClean="0"/>
-              <a:t>11</a:t>
+              <a:t>12</a:t>
             </a:fld>
             <a:endParaRPr lang="en-US"/>
           </a:p>
@@ -5445,6 +5447,349 @@
                 <a:latin typeface="Andalus" panose="02020603050405020304" pitchFamily="18" charset="-78"/>
                 <a:cs typeface="Andalus" panose="02020603050405020304" pitchFamily="18" charset="-78"/>
               </a:rPr>
+              <a:t> Deployment Pre-requisites</a:t>
+            </a:r>
+            <a:endParaRPr lang="en-US" sz="4000" dirty="0">
+              <a:latin typeface="Andalus" panose="02020603050405020304" pitchFamily="18" charset="-78"/>
+              <a:cs typeface="Andalus" panose="02020603050405020304" pitchFamily="18" charset="-78"/>
+            </a:endParaRPr>
+          </a:p>
+        </p:txBody>
+      </p:sp>
+      <p:sp>
+        <p:nvSpPr>
+          <p:cNvPr id="26" name="TextBox 25"/>
+          <p:cNvSpPr txBox="1"/>
+          <p:nvPr/>
+        </p:nvSpPr>
+        <p:spPr>
+          <a:xfrm>
+            <a:off x="533400" y="871172"/>
+            <a:ext cx="8001000" cy="3170099"/>
+          </a:xfrm>
+          <a:prstGeom prst="rect">
+            <a:avLst/>
+          </a:prstGeom>
+          <a:noFill/>
+        </p:spPr>
+        <p:txBody>
+          <a:bodyPr wrap="square" rtlCol="0">
+            <a:spAutoFit/>
+          </a:bodyPr>
+          <a:lstStyle>
+            <a:defPPr>
+              <a:defRPr lang="en-US"/>
+            </a:defPPr>
+            <a:lvl1pPr marL="0" algn="l" defTabSz="914400" rtl="0" eaLnBrk="1" latinLnBrk="0" hangingPunct="1">
+              <a:defRPr sz="1800" kern="1200">
+                <a:solidFill>
+                  <a:schemeClr val="tx1"/>
+                </a:solidFill>
+                <a:latin typeface="+mn-lt"/>
+                <a:ea typeface="+mn-ea"/>
+                <a:cs typeface="+mn-cs"/>
+              </a:defRPr>
+            </a:lvl1pPr>
+            <a:lvl2pPr marL="457200" algn="l" defTabSz="914400" rtl="0" eaLnBrk="1" latinLnBrk="0" hangingPunct="1">
+              <a:defRPr sz="1800" kern="1200">
+                <a:solidFill>
+                  <a:schemeClr val="tx1"/>
+                </a:solidFill>
+                <a:latin typeface="+mn-lt"/>
+                <a:ea typeface="+mn-ea"/>
+                <a:cs typeface="+mn-cs"/>
+              </a:defRPr>
+            </a:lvl2pPr>
+            <a:lvl3pPr marL="914400" algn="l" defTabSz="914400" rtl="0" eaLnBrk="1" latinLnBrk="0" hangingPunct="1">
+              <a:defRPr sz="1800" kern="1200">
+                <a:solidFill>
+                  <a:schemeClr val="tx1"/>
+                </a:solidFill>
+                <a:latin typeface="+mn-lt"/>
+                <a:ea typeface="+mn-ea"/>
+                <a:cs typeface="+mn-cs"/>
+              </a:defRPr>
+            </a:lvl3pPr>
+            <a:lvl4pPr marL="1371600" algn="l" defTabSz="914400" rtl="0" eaLnBrk="1" latinLnBrk="0" hangingPunct="1">
+              <a:defRPr sz="1800" kern="1200">
+                <a:solidFill>
+                  <a:schemeClr val="tx1"/>
+                </a:solidFill>
+                <a:latin typeface="+mn-lt"/>
+                <a:ea typeface="+mn-ea"/>
+                <a:cs typeface="+mn-cs"/>
+              </a:defRPr>
+            </a:lvl4pPr>
+            <a:lvl5pPr marL="1828800" algn="l" defTabSz="914400" rtl="0" eaLnBrk="1" latinLnBrk="0" hangingPunct="1">
+              <a:defRPr sz="1800" kern="1200">
+                <a:solidFill>
+                  <a:schemeClr val="tx1"/>
+                </a:solidFill>
+                <a:latin typeface="+mn-lt"/>
+                <a:ea typeface="+mn-ea"/>
+                <a:cs typeface="+mn-cs"/>
+              </a:defRPr>
+            </a:lvl5pPr>
+            <a:lvl6pPr marL="2286000" algn="l" defTabSz="914400" rtl="0" eaLnBrk="1" latinLnBrk="0" hangingPunct="1">
+              <a:defRPr sz="1800" kern="1200">
+                <a:solidFill>
+                  <a:schemeClr val="tx1"/>
+                </a:solidFill>
+                <a:latin typeface="+mn-lt"/>
+                <a:ea typeface="+mn-ea"/>
+                <a:cs typeface="+mn-cs"/>
+              </a:defRPr>
+            </a:lvl6pPr>
+            <a:lvl7pPr marL="2743200" algn="l" defTabSz="914400" rtl="0" eaLnBrk="1" latinLnBrk="0" hangingPunct="1">
+              <a:defRPr sz="1800" kern="1200">
+                <a:solidFill>
+                  <a:schemeClr val="tx1"/>
+                </a:solidFill>
+                <a:latin typeface="+mn-lt"/>
+                <a:ea typeface="+mn-ea"/>
+                <a:cs typeface="+mn-cs"/>
+              </a:defRPr>
+            </a:lvl7pPr>
+            <a:lvl8pPr marL="3200400" algn="l" defTabSz="914400" rtl="0" eaLnBrk="1" latinLnBrk="0" hangingPunct="1">
+              <a:defRPr sz="1800" kern="1200">
+                <a:solidFill>
+                  <a:schemeClr val="tx1"/>
+                </a:solidFill>
+                <a:latin typeface="+mn-lt"/>
+                <a:ea typeface="+mn-ea"/>
+                <a:cs typeface="+mn-cs"/>
+              </a:defRPr>
+            </a:lvl8pPr>
+            <a:lvl9pPr marL="3657600" algn="l" defTabSz="914400" rtl="0" eaLnBrk="1" latinLnBrk="0" hangingPunct="1">
+              <a:defRPr sz="1800" kern="1200">
+                <a:solidFill>
+                  <a:schemeClr val="tx1"/>
+                </a:solidFill>
+                <a:latin typeface="+mn-lt"/>
+                <a:ea typeface="+mn-ea"/>
+                <a:cs typeface="+mn-cs"/>
+              </a:defRPr>
+            </a:lvl9pPr>
+          </a:lstStyle>
+          <a:p>
+            <a:pPr marL="285750" indent="-285750">
+              <a:buSzPct val="110000"/>
+              <a:buFont typeface="Arial" panose="020B0604020202020204" pitchFamily="34" charset="0"/>
+              <a:buChar char="•"/>
+              <a:defRPr/>
+            </a:pPr>
+            <a:r>
+              <a:rPr lang="en-US" sz="2400" dirty="0">
+                <a:solidFill>
+                  <a:schemeClr val="tx2"/>
+                </a:solidFill>
+              </a:rPr>
+              <a:t>Windows Operating </a:t>
+            </a:r>
+            <a:r>
+              <a:rPr lang="en-US" sz="2400" dirty="0" smtClean="0">
+                <a:solidFill>
+                  <a:schemeClr val="tx2"/>
+                </a:solidFill>
+              </a:rPr>
+              <a:t>System</a:t>
+            </a:r>
+          </a:p>
+          <a:p>
+            <a:pPr marL="285750" indent="-285750">
+              <a:buSzPct val="110000"/>
+              <a:buFont typeface="Arial" panose="020B0604020202020204" pitchFamily="34" charset="0"/>
+              <a:buChar char="•"/>
+              <a:defRPr/>
+            </a:pPr>
+            <a:r>
+              <a:rPr lang="en-US" sz="2400" dirty="0" smtClean="0">
+                <a:solidFill>
+                  <a:schemeClr val="tx2"/>
+                </a:solidFill>
+              </a:rPr>
+              <a:t>Microsoft </a:t>
+            </a:r>
+            <a:r>
+              <a:rPr lang="en-US" sz="2400" dirty="0" err="1" smtClean="0">
+                <a:solidFill>
+                  <a:schemeClr val="tx2"/>
+                </a:solidFill>
+              </a:rPr>
+              <a:t>.Net</a:t>
+            </a:r>
+            <a:r>
+              <a:rPr lang="en-US" sz="2400" dirty="0" smtClean="0">
+                <a:solidFill>
+                  <a:schemeClr val="tx2"/>
+                </a:solidFill>
+              </a:rPr>
+              <a:t> </a:t>
+            </a:r>
+            <a:r>
+              <a:rPr lang="en-US" sz="2400" dirty="0">
+                <a:solidFill>
+                  <a:schemeClr val="tx2"/>
+                </a:solidFill>
+              </a:rPr>
+              <a:t>framework </a:t>
+            </a:r>
+            <a:r>
+              <a:rPr lang="en-US" sz="2400" dirty="0" smtClean="0">
+                <a:solidFill>
+                  <a:schemeClr val="tx2"/>
+                </a:solidFill>
+              </a:rPr>
+              <a:t>4.5.1</a:t>
+            </a:r>
+          </a:p>
+          <a:p>
+            <a:pPr marL="285750" indent="-285750">
+              <a:buSzPct val="110000"/>
+              <a:buFont typeface="Arial" panose="020B0604020202020204" pitchFamily="34" charset="0"/>
+              <a:buChar char="•"/>
+              <a:defRPr/>
+            </a:pPr>
+            <a:r>
+              <a:rPr lang="en-US" sz="2400" dirty="0" smtClean="0">
+                <a:solidFill>
+                  <a:schemeClr val="tx2"/>
+                </a:solidFill>
+              </a:rPr>
+              <a:t>IIS feature needs to be installed</a:t>
+            </a:r>
+          </a:p>
+          <a:p>
+            <a:pPr lvl="1"/>
+            <a:r>
+              <a:rPr lang="en-US" sz="1600" dirty="0">
+                <a:solidFill>
+                  <a:schemeClr val="tx2"/>
+                </a:solidFill>
+              </a:rPr>
+              <a:t>Click the Start button , click Control Panel, click Programs, and then click Turn Windows features on or off. ...</a:t>
+            </a:r>
+          </a:p>
+          <a:p>
+            <a:pPr lvl="1"/>
+            <a:r>
+              <a:rPr lang="en-US" sz="1600" dirty="0">
+                <a:solidFill>
+                  <a:schemeClr val="tx2"/>
+                </a:solidFill>
+              </a:rPr>
+              <a:t>In the list of Windows features, select Internet Information Services, and then click </a:t>
+            </a:r>
+            <a:r>
+              <a:rPr lang="en-US" sz="1600" dirty="0" smtClean="0">
+                <a:solidFill>
+                  <a:schemeClr val="tx2"/>
+                </a:solidFill>
+              </a:rPr>
+              <a:t>OK.</a:t>
+            </a:r>
+          </a:p>
+          <a:p>
+            <a:pPr marL="285750" lvl="1" indent="-285750">
+              <a:buSzPct val="110000"/>
+              <a:buFont typeface="Arial" panose="020B0604020202020204" pitchFamily="34" charset="0"/>
+              <a:buChar char="•"/>
+              <a:defRPr/>
+            </a:pPr>
+            <a:r>
+              <a:rPr lang="en-US" sz="2400" dirty="0">
+                <a:solidFill>
+                  <a:schemeClr val="tx2"/>
+                </a:solidFill>
+              </a:rPr>
+              <a:t>SQL Server Express</a:t>
+            </a:r>
+          </a:p>
+          <a:p>
+            <a:pPr lvl="1"/>
+            <a:endParaRPr lang="en-US" sz="1600" b="1" dirty="0">
+              <a:solidFill>
+                <a:schemeClr val="tx2"/>
+              </a:solidFill>
+            </a:endParaRPr>
+          </a:p>
+          <a:p>
+            <a:pPr>
+              <a:buSzPct val="110000"/>
+              <a:defRPr/>
+            </a:pPr>
+            <a:endParaRPr lang="en-US" sz="2400" dirty="0">
+              <a:solidFill>
+                <a:schemeClr val="tx2"/>
+              </a:solidFill>
+            </a:endParaRPr>
+          </a:p>
+        </p:txBody>
+      </p:sp>
+    </p:spTree>
+    <p:extLst>
+      <p:ext uri="{BB962C8B-B14F-4D97-AF65-F5344CB8AC3E}">
+        <p14:creationId xmlns:p14="http://schemas.microsoft.com/office/powerpoint/2010/main" val="924590387"/>
+      </p:ext>
+    </p:extLst>
+  </p:cSld>
+  <p:clrMapOvr>
+    <a:masterClrMapping/>
+  </p:clrMapOvr>
+  <p:timing>
+    <p:tnLst>
+      <p:par>
+        <p:cTn id="1" dur="indefinite" restart="never" nodeType="tmRoot"/>
+      </p:par>
+    </p:tnLst>
+  </p:timing>
+</p:sld>
+</file>
+
+<file path=ppt/slides/slide11.xml><?xml version="1.0" encoding="utf-8"?>
+<p:sld xmlns:a="http://schemas.openxmlformats.org/drawingml/2006/main" xmlns:r="http://schemas.openxmlformats.org/officeDocument/2006/relationships" xmlns:p="http://schemas.openxmlformats.org/presentationml/2006/main">
+  <p:cSld>
+    <p:spTree>
+      <p:nvGrpSpPr>
+        <p:cNvPr id="1" name=""/>
+        <p:cNvGrpSpPr/>
+        <p:nvPr/>
+      </p:nvGrpSpPr>
+      <p:grpSpPr>
+        <a:xfrm>
+          <a:off x="0" y="0"/>
+          <a:ext cx="0" cy="0"/>
+          <a:chOff x="0" y="0"/>
+          <a:chExt cx="0" cy="0"/>
+        </a:xfrm>
+      </p:grpSpPr>
+      <p:sp>
+        <p:nvSpPr>
+          <p:cNvPr id="2" name="Rectangle 1"/>
+          <p:cNvSpPr/>
+          <p:nvPr/>
+        </p:nvSpPr>
+        <p:spPr>
+          <a:xfrm>
+            <a:off x="0" y="152400"/>
+            <a:ext cx="9144000" cy="707886"/>
+          </a:xfrm>
+          <a:prstGeom prst="rect">
+            <a:avLst/>
+          </a:prstGeom>
+        </p:spPr>
+        <p:txBody>
+          <a:bodyPr wrap="square">
+            <a:spAutoFit/>
+          </a:bodyPr>
+          <a:lstStyle/>
+          <a:p>
+            <a:pPr algn="ctr"/>
+            <a:r>
+              <a:rPr lang="en-US" sz="4000" dirty="0" smtClean="0">
+                <a:latin typeface="Andalus" panose="02020603050405020304" pitchFamily="18" charset="-78"/>
+                <a:cs typeface="Andalus" panose="02020603050405020304" pitchFamily="18" charset="-78"/>
+              </a:rPr>
               <a:t>Deployment Model</a:t>
             </a:r>
             <a:endParaRPr lang="en-US" sz="4000" dirty="0">
@@ -5690,7 +6035,7 @@
 </p:sld>
 </file>
 
-<file path=ppt/slides/slide11.xml><?xml version="1.0" encoding="utf-8"?>
+<file path=ppt/slides/slide12.xml><?xml version="1.0" encoding="utf-8"?>
 <p:sld xmlns:a="http://schemas.openxmlformats.org/drawingml/2006/main" xmlns:r="http://schemas.openxmlformats.org/officeDocument/2006/relationships" xmlns:p="http://schemas.openxmlformats.org/presentationml/2006/main">
   <p:cSld>
     <p:spTree>
@@ -5877,15 +6222,7 @@
                   <a:schemeClr val="tx2"/>
                 </a:solidFill>
               </a:rPr>
-              <a:t>Click </a:t>
-            </a:r>
-            <a:r>
-              <a:rPr lang="en-US" sz="2000" dirty="0">
-                <a:solidFill>
-                  <a:schemeClr val="tx2"/>
-                </a:solidFill>
-              </a:rPr>
-              <a:t>on Test Settings.</a:t>
+              <a:t>Click on Test Settings.</a:t>
             </a:r>
           </a:p>
           <a:p>
@@ -5972,10 +6309,17 @@
   <p:clrMapOvr>
     <a:masterClrMapping/>
   </p:clrMapOvr>
+  <p:timing>
+    <p:tnLst>
+      <p:par>
+        <p:cTn id="1" dur="indefinite" restart="never" nodeType="tmRoot"/>
+      </p:par>
+    </p:tnLst>
+  </p:timing>
 </p:sld>
 </file>
 
-<file path=ppt/slides/slide12.xml><?xml version="1.0" encoding="utf-8"?>
+<file path=ppt/slides/slide13.xml><?xml version="1.0" encoding="utf-8"?>
 <p:sld xmlns:a="http://schemas.openxmlformats.org/drawingml/2006/main" xmlns:r="http://schemas.openxmlformats.org/officeDocument/2006/relationships" xmlns:p="http://schemas.openxmlformats.org/presentationml/2006/main">
   <p:cSld>
     <p:spTree>
@@ -6075,15 +6419,7 @@
                   <a:schemeClr val="tx2"/>
                 </a:solidFill>
               </a:rPr>
-              <a:t> and click on browse</a:t>
-            </a:r>
-            <a:r>
-              <a:rPr lang="en-US" sz="2000" dirty="0">
-                <a:solidFill>
-                  <a:schemeClr val="tx2"/>
-                </a:solidFill>
-              </a:rPr>
-              <a:t>.</a:t>
+              <a:t> and click on browse.</a:t>
             </a:r>
           </a:p>
           <a:p>
@@ -6154,10 +6490,198 @@
   <p:clrMapOvr>
     <a:masterClrMapping/>
   </p:clrMapOvr>
+  <p:timing>
+    <p:tnLst>
+      <p:par>
+        <p:cTn id="1" dur="indefinite" restart="never" nodeType="tmRoot"/>
+      </p:par>
+    </p:tnLst>
+  </p:timing>
 </p:sld>
 </file>
 
-<file path=ppt/slides/slide13.xml><?xml version="1.0" encoding="utf-8"?>
+<file path=ppt/slides/slide14.xml><?xml version="1.0" encoding="utf-8"?>
+<p:sld xmlns:a="http://schemas.openxmlformats.org/drawingml/2006/main" xmlns:r="http://schemas.openxmlformats.org/officeDocument/2006/relationships" xmlns:p="http://schemas.openxmlformats.org/presentationml/2006/main">
+  <p:cSld>
+    <p:spTree>
+      <p:nvGrpSpPr>
+        <p:cNvPr id="1" name=""/>
+        <p:cNvGrpSpPr/>
+        <p:nvPr/>
+      </p:nvGrpSpPr>
+      <p:grpSpPr>
+        <a:xfrm>
+          <a:off x="0" y="0"/>
+          <a:ext cx="0" cy="0"/>
+          <a:chOff x="0" y="0"/>
+          <a:chExt cx="0" cy="0"/>
+        </a:xfrm>
+      </p:grpSpPr>
+      <p:sp>
+        <p:nvSpPr>
+          <p:cNvPr id="2" name="Rectangle 1"/>
+          <p:cNvSpPr/>
+          <p:nvPr/>
+        </p:nvSpPr>
+        <p:spPr>
+          <a:xfrm>
+            <a:off x="0" y="152400"/>
+            <a:ext cx="9144000" cy="707886"/>
+          </a:xfrm>
+          <a:prstGeom prst="rect">
+            <a:avLst/>
+          </a:prstGeom>
+        </p:spPr>
+        <p:txBody>
+          <a:bodyPr wrap="square">
+            <a:spAutoFit/>
+          </a:bodyPr>
+          <a:lstStyle/>
+          <a:p>
+            <a:pPr algn="ctr"/>
+            <a:r>
+              <a:rPr lang="en-US" sz="4000" dirty="0" smtClean="0">
+                <a:latin typeface="Andalus" panose="02020603050405020304" pitchFamily="18" charset="-78"/>
+                <a:cs typeface="Andalus" panose="02020603050405020304" pitchFamily="18" charset="-78"/>
+              </a:rPr>
+              <a:t>Enhancements</a:t>
+            </a:r>
+            <a:endParaRPr lang="en-US" sz="4000" dirty="0">
+              <a:latin typeface="Andalus" panose="02020603050405020304" pitchFamily="18" charset="-78"/>
+              <a:cs typeface="Andalus" panose="02020603050405020304" pitchFamily="18" charset="-78"/>
+            </a:endParaRPr>
+          </a:p>
+        </p:txBody>
+      </p:sp>
+      <p:sp>
+        <p:nvSpPr>
+          <p:cNvPr id="3" name="Rectangle 2"/>
+          <p:cNvSpPr/>
+          <p:nvPr/>
+        </p:nvSpPr>
+        <p:spPr>
+          <a:xfrm>
+            <a:off x="457200" y="990600"/>
+            <a:ext cx="8229600" cy="2739211"/>
+          </a:xfrm>
+          <a:prstGeom prst="rect">
+            <a:avLst/>
+          </a:prstGeom>
+        </p:spPr>
+        <p:txBody>
+          <a:bodyPr wrap="square">
+            <a:spAutoFit/>
+          </a:bodyPr>
+          <a:lstStyle/>
+          <a:p>
+            <a:pPr marL="342900" indent="-342900">
+              <a:buFont typeface="Arial" panose="020B0604020202020204" pitchFamily="34" charset="0"/>
+              <a:buChar char="•"/>
+            </a:pPr>
+            <a:r>
+              <a:rPr lang="en-US" sz="2400" dirty="0" smtClean="0">
+                <a:solidFill>
+                  <a:schemeClr val="tx2"/>
+                </a:solidFill>
+              </a:rPr>
+              <a:t>The following features have been designed and partly worked upon. Our </a:t>
+            </a:r>
+            <a:r>
+              <a:rPr lang="en-US" sz="2400" dirty="0" err="1" smtClean="0">
+                <a:solidFill>
+                  <a:schemeClr val="tx2"/>
+                </a:solidFill>
+              </a:rPr>
+              <a:t>webapp</a:t>
+            </a:r>
+            <a:r>
+              <a:rPr lang="en-US" sz="2400" dirty="0" smtClean="0">
+                <a:solidFill>
+                  <a:schemeClr val="tx2"/>
+                </a:solidFill>
+              </a:rPr>
+              <a:t> can be easily extended for these functionalities:</a:t>
+            </a:r>
+          </a:p>
+          <a:p>
+            <a:pPr marL="800100" lvl="1" indent="-342900">
+              <a:buFont typeface="Arial" panose="020B0604020202020204" pitchFamily="34" charset="0"/>
+              <a:buChar char="•"/>
+            </a:pPr>
+            <a:r>
+              <a:rPr lang="en-US" sz="2000" dirty="0" smtClean="0">
+                <a:solidFill>
+                  <a:schemeClr val="tx2"/>
+                </a:solidFill>
+              </a:rPr>
+              <a:t>Dynamic evaluation criteria for projects</a:t>
+            </a:r>
+          </a:p>
+          <a:p>
+            <a:pPr marL="800100" lvl="1" indent="-342900">
+              <a:buFont typeface="Arial" panose="020B0604020202020204" pitchFamily="34" charset="0"/>
+              <a:buChar char="•"/>
+            </a:pPr>
+            <a:r>
+              <a:rPr lang="en-US" sz="2000" dirty="0" smtClean="0">
+                <a:solidFill>
+                  <a:schemeClr val="tx2"/>
+                </a:solidFill>
+              </a:rPr>
+              <a:t>Mailing out the reports</a:t>
+            </a:r>
+            <a:endParaRPr lang="en-US" sz="2000" dirty="0">
+              <a:solidFill>
+                <a:schemeClr val="tx2"/>
+              </a:solidFill>
+            </a:endParaRPr>
+          </a:p>
+          <a:p>
+            <a:endParaRPr lang="en-US" b="1" dirty="0"/>
+          </a:p>
+          <a:p>
+            <a:pPr marL="285750" indent="-285750">
+              <a:buFont typeface="Arial" panose="020B0604020202020204" pitchFamily="34" charset="0"/>
+              <a:buChar char="•"/>
+              <a:defRPr/>
+            </a:pPr>
+            <a:endParaRPr lang="en-US" altLang="en-US" sz="2400" dirty="0">
+              <a:solidFill>
+                <a:schemeClr val="tx2"/>
+              </a:solidFill>
+            </a:endParaRPr>
+          </a:p>
+          <a:p>
+            <a:pPr marL="800100" lvl="1" indent="-342900">
+              <a:buFont typeface="Arial" panose="020B0604020202020204" pitchFamily="34" charset="0"/>
+              <a:buChar char="•"/>
+              <a:defRPr/>
+            </a:pPr>
+            <a:endParaRPr lang="en-US" altLang="en-US" dirty="0"/>
+          </a:p>
+        </p:txBody>
+      </p:sp>
+    </p:spTree>
+    <p:extLst>
+      <p:ext uri="{BB962C8B-B14F-4D97-AF65-F5344CB8AC3E}">
+        <p14:creationId xmlns:p14="http://schemas.microsoft.com/office/powerpoint/2010/main" val="1410816471"/>
+      </p:ext>
+    </p:extLst>
+  </p:cSld>
+  <p:clrMapOvr>
+    <a:masterClrMapping/>
+  </p:clrMapOvr>
+  <p:timing>
+    <p:tnLst>
+      <p:par>
+        <p:cTn id="1" dur="indefinite" restart="never" nodeType="tmRoot"/>
+      </p:par>
+    </p:tnLst>
+  </p:timing>
+</p:sld>
+</file>
+
+<file path=ppt/slides/slide15.xml><?xml version="1.0" encoding="utf-8"?>
 <p:sld xmlns:a="http://schemas.openxmlformats.org/drawingml/2006/main" xmlns:r="http://schemas.openxmlformats.org/officeDocument/2006/relationships" xmlns:p="http://schemas.openxmlformats.org/presentationml/2006/main">
   <p:cSld>
     <p:spTree>
@@ -6249,49 +6773,13 @@
       </p:sp>
       <p:sp>
         <p:nvSpPr>
-          <p:cNvPr id="5" name="Rectangle 4"/>
-          <p:cNvSpPr/>
-          <p:nvPr/>
-        </p:nvSpPr>
-        <p:spPr>
-          <a:xfrm>
-            <a:off x="8546" y="2209800"/>
-            <a:ext cx="9144000" cy="707886"/>
-          </a:xfrm>
-          <a:prstGeom prst="rect">
-            <a:avLst/>
-          </a:prstGeom>
-        </p:spPr>
-        <p:txBody>
-          <a:bodyPr wrap="square">
-            <a:spAutoFit/>
-          </a:bodyPr>
-          <a:lstStyle/>
-          <a:p>
-            <a:pPr algn="ctr"/>
-            <a:r>
-              <a:rPr lang="en-US" sz="4000" dirty="0" smtClean="0">
-                <a:latin typeface="Andalus" panose="02020603050405020304" pitchFamily="18" charset="-78"/>
-                <a:cs typeface="Andalus" panose="02020603050405020304" pitchFamily="18" charset="-78"/>
-              </a:rPr>
-              <a:t>Demo Recording</a:t>
-            </a:r>
-            <a:endParaRPr lang="en-US" sz="4000" dirty="0">
-              <a:latin typeface="Andalus" panose="02020603050405020304" pitchFamily="18" charset="-78"/>
-              <a:cs typeface="Andalus" panose="02020603050405020304" pitchFamily="18" charset="-78"/>
-            </a:endParaRPr>
-          </a:p>
-        </p:txBody>
-      </p:sp>
-      <p:sp>
-        <p:nvSpPr>
           <p:cNvPr id="6" name="Rectangle 5"/>
           <p:cNvSpPr/>
           <p:nvPr/>
         </p:nvSpPr>
         <p:spPr>
           <a:xfrm>
-            <a:off x="0" y="1295400"/>
+            <a:off x="-10886" y="990599"/>
             <a:ext cx="9144000" cy="1015663"/>
           </a:xfrm>
           <a:prstGeom prst="rect">
@@ -6336,16 +6824,7 @@
                 </a:solidFill>
                 <a:hlinkClick r:id="rId2"/>
               </a:rPr>
-              <a:t>https</a:t>
-            </a:r>
-            <a:r>
-              <a:rPr lang="en-US" sz="2000" dirty="0">
-                <a:solidFill>
-                  <a:schemeClr val="tx2"/>
-                </a:solidFill>
-                <a:hlinkClick r:id="rId2"/>
-              </a:rPr>
-              <a:t>://</a:t>
+              <a:t>https://</a:t>
             </a:r>
             <a:r>
               <a:rPr lang="en-US" sz="2000" dirty="0" smtClean="0">
@@ -6391,7 +6870,7 @@
 </p:sld>
 </file>
 
-<file path=ppt/slides/slide14.xml><?xml version="1.0" encoding="utf-8"?>
+<file path=ppt/slides/slide16.xml><?xml version="1.0" encoding="utf-8"?>
 <p:sld xmlns:a="http://schemas.openxmlformats.org/drawingml/2006/main" xmlns:r="http://schemas.openxmlformats.org/officeDocument/2006/relationships" xmlns:p="http://schemas.openxmlformats.org/presentationml/2006/main">
   <p:cSld>
     <p:spTree>
@@ -7048,7 +7527,7 @@
         <p:spPr>
           <a:xfrm>
             <a:off x="457200" y="990600"/>
-            <a:ext cx="8229600" cy="4401205"/>
+            <a:ext cx="8229600" cy="4770537"/>
           </a:xfrm>
           <a:prstGeom prst="rect">
             <a:avLst/>
@@ -7113,13 +7592,18 @@
               <a:t>Frontend : HTML5, </a:t>
             </a:r>
             <a:r>
-              <a:rPr lang="en-US" altLang="en-US" sz="2400" dirty="0" err="1"/>
-              <a:t>javascripts</a:t>
+              <a:rPr lang="en-US" altLang="en-US" sz="2400" dirty="0" err="1" smtClean="0"/>
+              <a:t>Javascripts</a:t>
             </a:r>
             <a:r>
               <a:rPr lang="en-US" altLang="en-US" sz="2400" dirty="0"/>
-              <a:t>, JQuery </a:t>
-            </a:r>
+              <a:t>, </a:t>
+            </a:r>
+            <a:r>
+              <a:rPr lang="en-US" altLang="en-US" sz="2400" dirty="0" smtClean="0"/>
+              <a:t>JQuery, Bootstrap CSS</a:t>
+            </a:r>
+            <a:endParaRPr lang="en-US" altLang="en-US" sz="2400" dirty="0"/>
           </a:p>
           <a:p>
             <a:pPr marL="342900" indent="-342900">
@@ -7494,7 +7978,7 @@
         <p:spPr>
           <a:xfrm>
             <a:off x="457200" y="990600"/>
-            <a:ext cx="8229600" cy="5786199"/>
+            <a:ext cx="8229600" cy="6709529"/>
           </a:xfrm>
           <a:prstGeom prst="rect">
             <a:avLst/>
@@ -7724,7 +8208,63 @@
                   <a:schemeClr val="tx2"/>
                 </a:solidFill>
               </a:rPr>
-              <a:t>Updating roles of the stakeholders</a:t>
+              <a:t>Updating roles of the </a:t>
+            </a:r>
+            <a:r>
+              <a:rPr lang="en-US" altLang="en-US" sz="2000" dirty="0" smtClean="0">
+                <a:solidFill>
+                  <a:schemeClr val="tx2"/>
+                </a:solidFill>
+              </a:rPr>
+              <a:t>stakeholders</a:t>
+            </a:r>
+          </a:p>
+          <a:p>
+            <a:pPr marL="742950" lvl="1" indent="-285750">
+              <a:buFont typeface="Arial" panose="020B0604020202020204" pitchFamily="34" charset="0"/>
+              <a:buChar char="•"/>
+              <a:defRPr/>
+            </a:pPr>
+            <a:r>
+              <a:rPr lang="en-US" altLang="en-US" sz="2000" dirty="0">
+                <a:solidFill>
+                  <a:schemeClr val="tx2"/>
+                </a:solidFill>
+              </a:rPr>
+              <a:t>The default Admin User – </a:t>
+            </a:r>
+            <a:r>
+              <a:rPr lang="en-US" altLang="en-US" sz="2000" dirty="0">
+                <a:solidFill>
+                  <a:schemeClr val="tx2"/>
+                </a:solidFill>
+                <a:hlinkClick r:id="rId2"/>
+              </a:rPr>
+              <a:t>admin@pma.com</a:t>
+            </a:r>
+            <a:r>
+              <a:rPr lang="en-US" altLang="en-US" sz="2000" dirty="0">
+                <a:solidFill>
+                  <a:schemeClr val="tx2"/>
+                </a:solidFill>
+              </a:rPr>
+              <a:t>, will be present from start and cannot be </a:t>
+            </a:r>
+            <a:r>
+              <a:rPr lang="en-US" altLang="en-US" sz="2000" dirty="0" err="1">
+                <a:solidFill>
+                  <a:schemeClr val="tx2"/>
+                </a:solidFill>
+              </a:rPr>
+              <a:t>deteled</a:t>
+            </a:r>
+            <a:r>
+              <a:rPr lang="en-US" altLang="en-US" sz="2000" dirty="0">
+                <a:solidFill>
+                  <a:schemeClr val="tx2"/>
+                </a:solidFill>
+              </a:rPr>
+              <a:t>.</a:t>
             </a:r>
           </a:p>
           <a:p>
@@ -7828,6 +8368,21 @@
                 </a:solidFill>
               </a:rPr>
               <a:t>Individual</a:t>
+            </a:r>
+          </a:p>
+          <a:p>
+            <a:pPr marL="742950" lvl="1" indent="-285750">
+              <a:buFont typeface="Arial" panose="020B0604020202020204" pitchFamily="34" charset="0"/>
+              <a:buChar char="•"/>
+              <a:defRPr/>
+            </a:pPr>
+            <a:r>
+              <a:rPr lang="en-US" altLang="en-US" sz="2000" dirty="0" smtClean="0">
+                <a:solidFill>
+                  <a:schemeClr val="tx2"/>
+                </a:solidFill>
+              </a:rPr>
+              <a:t>Default Roles cannot be edited </a:t>
             </a:r>
           </a:p>
           <a:p>
@@ -8202,7 +8757,7 @@
                   <a:schemeClr val="tx2"/>
                 </a:solidFill>
               </a:rPr>
-              <a:t>has the following privileges :</a:t>
+              <a:t>has the following privileges:</a:t>
             </a:r>
           </a:p>
           <a:p>
@@ -8314,8 +8869,21 @@
                   <a:schemeClr val="tx2"/>
                 </a:solidFill>
               </a:rPr>
-              <a:t>has the following privileges :</a:t>
-            </a:r>
+              <a:t>has the following </a:t>
+            </a:r>
+            <a:r>
+              <a:rPr lang="en-US" altLang="en-US" sz="2000" dirty="0" smtClean="0">
+                <a:solidFill>
+                  <a:schemeClr val="tx2"/>
+                </a:solidFill>
+              </a:rPr>
+              <a:t>privileges:</a:t>
+            </a:r>
+            <a:endParaRPr lang="en-US" altLang="en-US" sz="2000" dirty="0">
+              <a:solidFill>
+                <a:schemeClr val="tx2"/>
+              </a:solidFill>
+            </a:endParaRPr>
           </a:p>
           <a:p>
             <a:pPr marL="1200150" lvl="2" indent="-285750">
@@ -11456,7 +12024,7 @@
                 <a:latin typeface="Andalus" panose="02020603050405020304" pitchFamily="18" charset="-78"/>
                 <a:cs typeface="Andalus" panose="02020603050405020304" pitchFamily="18" charset="-78"/>
               </a:rPr>
-              <a:t>Pre-requisites</a:t>
+              <a:t>Build and Test</a:t>
             </a:r>
             <a:endParaRPr lang="en-US" sz="4000" dirty="0">
               <a:latin typeface="Andalus" panose="02020603050405020304" pitchFamily="18" charset="-78"/>
@@ -11473,8 +12041,8 @@
         </p:nvSpPr>
         <p:spPr>
           <a:xfrm>
-            <a:off x="533400" y="1143000"/>
-            <a:ext cx="7239000" cy="2554545"/>
+            <a:off x="533400" y="871487"/>
+            <a:ext cx="8001000" cy="8402300"/>
           </a:xfrm>
           <a:prstGeom prst="rect">
             <a:avLst/>
@@ -11588,20 +12156,76 @@
               <a:defRPr/>
             </a:pPr>
             <a:r>
-              <a:rPr lang="en-US" sz="2400" dirty="0">
-                <a:solidFill>
-                  <a:schemeClr val="tx2"/>
-                </a:solidFill>
-              </a:rPr>
-              <a:t>Windows Operating </a:t>
-            </a:r>
-            <a:r>
               <a:rPr lang="en-US" sz="2400" dirty="0" smtClean="0">
                 <a:solidFill>
                   <a:schemeClr val="tx2"/>
                 </a:solidFill>
               </a:rPr>
-              <a:t>System</a:t>
+              <a:t>Build Pre-requisite:</a:t>
+            </a:r>
+          </a:p>
+          <a:p>
+            <a:pPr marL="742950" lvl="1" indent="-285750">
+              <a:buSzPct val="110000"/>
+              <a:buFont typeface="Arial" panose="020B0604020202020204" pitchFamily="34" charset="0"/>
+              <a:buChar char="•"/>
+              <a:defRPr/>
+            </a:pPr>
+            <a:r>
+              <a:rPr lang="en-US" sz="2000" dirty="0" smtClean="0">
+                <a:solidFill>
+                  <a:schemeClr val="tx2"/>
+                </a:solidFill>
+              </a:rPr>
+              <a:t>Visual </a:t>
+            </a:r>
+            <a:r>
+              <a:rPr lang="en-US" sz="2000" dirty="0">
+                <a:solidFill>
+                  <a:schemeClr val="tx2"/>
+                </a:solidFill>
+              </a:rPr>
+              <a:t>Studio 2013 Update </a:t>
+            </a:r>
+            <a:r>
+              <a:rPr lang="en-US" sz="2000" dirty="0" smtClean="0">
+                <a:solidFill>
+                  <a:schemeClr val="tx2"/>
+                </a:solidFill>
+              </a:rPr>
+              <a:t>3 with following mandatory features:</a:t>
+            </a:r>
+          </a:p>
+          <a:p>
+            <a:pPr marL="1200150" lvl="2" indent="-285750">
+              <a:buSzPct val="110000"/>
+              <a:buFont typeface="Arial" panose="020B0604020202020204" pitchFamily="34" charset="0"/>
+              <a:buChar char="•"/>
+              <a:defRPr/>
+            </a:pPr>
+            <a:r>
+              <a:rPr lang="en-US" sz="1600" dirty="0" smtClean="0">
+                <a:solidFill>
+                  <a:schemeClr val="tx2"/>
+                </a:solidFill>
+              </a:rPr>
+              <a:t>Microsoft SQL Server Data Tools</a:t>
+            </a:r>
+          </a:p>
+          <a:p>
+            <a:pPr marL="1200150" lvl="2" indent="-285750">
+              <a:buSzPct val="110000"/>
+              <a:buFont typeface="Arial" panose="020B0604020202020204" pitchFamily="34" charset="0"/>
+              <a:buChar char="•"/>
+              <a:defRPr/>
+            </a:pPr>
+            <a:r>
+              <a:rPr lang="en-US" sz="1600" dirty="0" smtClean="0">
+                <a:solidFill>
+                  <a:schemeClr val="tx2"/>
+                </a:solidFill>
+              </a:rPr>
+              <a:t>Microsoft Web Developer Tools</a:t>
             </a:r>
           </a:p>
           <a:p>
@@ -11617,39 +12241,55 @@
                   <a:schemeClr val="tx2"/>
                 </a:solidFill>
               </a:rPr>
-              <a:t>Microsoft </a:t>
-            </a:r>
-            <a:r>
-              <a:rPr lang="en-US" sz="2400" dirty="0" err="1" smtClean="0">
-                <a:solidFill>
-                  <a:schemeClr val="tx2"/>
-                </a:solidFill>
-              </a:rPr>
-              <a:t>.Net</a:t>
-            </a:r>
-            <a:r>
-              <a:rPr lang="en-US" sz="2400" dirty="0" smtClean="0">
-                <a:solidFill>
-                  <a:schemeClr val="tx2"/>
-                </a:solidFill>
-              </a:rPr>
-              <a:t> </a:t>
-            </a:r>
-            <a:r>
-              <a:rPr lang="en-US" sz="2400" dirty="0">
-                <a:solidFill>
-                  <a:schemeClr val="tx2"/>
-                </a:solidFill>
-              </a:rPr>
-              <a:t>framework </a:t>
-            </a:r>
-            <a:r>
-              <a:rPr lang="en-US" sz="2400" dirty="0" smtClean="0">
-                <a:solidFill>
-                  <a:schemeClr val="tx2"/>
-                </a:solidFill>
-              </a:rPr>
-              <a:t>4.5.1</a:t>
+              <a:t>Build</a:t>
+            </a:r>
+          </a:p>
+          <a:p>
+            <a:pPr marL="742950" lvl="1" indent="-285750">
+              <a:buSzPct val="110000"/>
+              <a:buFont typeface="Arial" panose="020B0604020202020204" pitchFamily="34" charset="0"/>
+              <a:buChar char="•"/>
+              <a:defRPr/>
+            </a:pPr>
+            <a:r>
+              <a:rPr lang="en-US" sz="2000" dirty="0">
+                <a:solidFill>
+                  <a:schemeClr val="tx2"/>
+                </a:solidFill>
+              </a:rPr>
+              <a:t>Checkout code and open the code in Visual </a:t>
+            </a:r>
+            <a:r>
+              <a:rPr lang="en-US" sz="2000" dirty="0" smtClean="0">
+                <a:solidFill>
+                  <a:schemeClr val="tx2"/>
+                </a:solidFill>
+              </a:rPr>
+              <a:t>Studio </a:t>
+            </a:r>
+            <a:r>
+              <a:rPr lang="en-US" sz="2000" dirty="0">
+                <a:solidFill>
+                  <a:schemeClr val="tx2"/>
+                </a:solidFill>
+              </a:rPr>
+              <a:t>2013 Update 4</a:t>
+            </a:r>
+          </a:p>
+          <a:p>
+            <a:pPr marL="742950" lvl="1" indent="-285750">
+              <a:buSzPct val="110000"/>
+              <a:buFont typeface="Arial" panose="020B0604020202020204" pitchFamily="34" charset="0"/>
+              <a:buChar char="•"/>
+              <a:defRPr/>
+            </a:pPr>
+            <a:r>
+              <a:rPr lang="en-US" sz="2000" dirty="0" smtClean="0">
+                <a:solidFill>
+                  <a:schemeClr val="tx2"/>
+                </a:solidFill>
+              </a:rPr>
+              <a:t>Go to BUILD menu, choose “Build Solution”</a:t>
             </a:r>
           </a:p>
           <a:p>
@@ -11665,30 +12305,250 @@
                   <a:schemeClr val="tx2"/>
                 </a:solidFill>
               </a:rPr>
-              <a:t>IIS feature needs to be installed</a:t>
-            </a:r>
+              <a:t>Test</a:t>
+            </a:r>
+          </a:p>
+          <a:p>
+            <a:pPr marL="742950" lvl="1" indent="-285750">
+              <a:buSzPct val="110000"/>
+              <a:buFont typeface="Arial" panose="020B0604020202020204" pitchFamily="34" charset="0"/>
+              <a:buChar char="•"/>
+              <a:defRPr/>
+            </a:pPr>
+            <a:r>
+              <a:rPr lang="en-US" sz="2000" dirty="0" smtClean="0">
+                <a:solidFill>
+                  <a:schemeClr val="tx2"/>
+                </a:solidFill>
+              </a:rPr>
+              <a:t>Ensure full privileges full project folder</a:t>
+            </a:r>
+          </a:p>
+          <a:p>
+            <a:pPr marL="742950" lvl="1" indent="-285750">
+              <a:buSzPct val="110000"/>
+              <a:buFont typeface="Arial" panose="020B0604020202020204" pitchFamily="34" charset="0"/>
+              <a:buChar char="•"/>
+              <a:defRPr/>
+            </a:pPr>
+            <a:r>
+              <a:rPr lang="en-US" sz="2000" dirty="0" smtClean="0">
+                <a:solidFill>
+                  <a:schemeClr val="tx2"/>
+                </a:solidFill>
+              </a:rPr>
+              <a:t>Go to DEBUG menu, choose “Start Without Debugging”</a:t>
+            </a:r>
+          </a:p>
+          <a:p>
+            <a:pPr marL="742950" lvl="1" indent="-285750">
+              <a:buSzPct val="110000"/>
+              <a:buFont typeface="Arial" panose="020B0604020202020204" pitchFamily="34" charset="0"/>
+              <a:buChar char="•"/>
+              <a:defRPr/>
+            </a:pPr>
+            <a:r>
+              <a:rPr lang="en-US" sz="2000" dirty="0" smtClean="0">
+                <a:solidFill>
+                  <a:schemeClr val="tx2"/>
+                </a:solidFill>
+              </a:rPr>
+              <a:t>URL opens in default browser with default login page</a:t>
+            </a:r>
+          </a:p>
+          <a:p>
+            <a:pPr marL="742950" lvl="1" indent="-285750">
+              <a:buSzPct val="110000"/>
+              <a:buFont typeface="Arial" panose="020B0604020202020204" pitchFamily="34" charset="0"/>
+              <a:buChar char="•"/>
+              <a:defRPr/>
+            </a:pPr>
+            <a:r>
+              <a:rPr lang="en-US" sz="2000" dirty="0" smtClean="0">
+                <a:solidFill>
+                  <a:schemeClr val="tx2"/>
+                </a:solidFill>
+              </a:rPr>
+              <a:t>Login with default management user:</a:t>
+            </a:r>
+          </a:p>
+          <a:p>
+            <a:pPr marL="1200150" lvl="2" indent="-285750">
+              <a:buSzPct val="110000"/>
+              <a:buFont typeface="Arial" panose="020B0604020202020204" pitchFamily="34" charset="0"/>
+              <a:buChar char="•"/>
+              <a:defRPr/>
+            </a:pPr>
+            <a:r>
+              <a:rPr lang="en-US" sz="1600" dirty="0" smtClean="0">
+                <a:solidFill>
+                  <a:schemeClr val="tx2"/>
+                </a:solidFill>
+              </a:rPr>
+              <a:t>User – </a:t>
+            </a:r>
+            <a:r>
+              <a:rPr lang="en-US" sz="1600" dirty="0" smtClean="0">
+                <a:solidFill>
+                  <a:schemeClr val="tx2"/>
+                </a:solidFill>
+                <a:hlinkClick r:id="rId2"/>
+              </a:rPr>
+              <a:t>admin@pma.com</a:t>
+            </a:r>
+            <a:endParaRPr lang="en-US" sz="1600" dirty="0" smtClean="0">
+              <a:solidFill>
+                <a:schemeClr val="tx2"/>
+              </a:solidFill>
+            </a:endParaRPr>
+          </a:p>
+          <a:p>
+            <a:pPr marL="1200150" lvl="2" indent="-285750">
+              <a:buSzPct val="110000"/>
+              <a:buFont typeface="Arial" panose="020B0604020202020204" pitchFamily="34" charset="0"/>
+              <a:buChar char="•"/>
+              <a:defRPr/>
+            </a:pPr>
+            <a:r>
+              <a:rPr lang="en-US" sz="1600" dirty="0" smtClean="0">
+                <a:solidFill>
+                  <a:schemeClr val="tx2"/>
+                </a:solidFill>
+              </a:rPr>
+              <a:t>Password – Admin@123a</a:t>
+            </a:r>
+          </a:p>
+          <a:p>
+            <a:pPr marL="2571750" lvl="5" indent="-285750">
+              <a:buSzPct val="110000"/>
+              <a:buFont typeface="Arial" panose="020B0604020202020204" pitchFamily="34" charset="0"/>
+              <a:buChar char="•"/>
+              <a:defRPr/>
+            </a:pPr>
+            <a:r>
+              <a:rPr lang="en-US" sz="2400" dirty="0" smtClean="0">
+                <a:solidFill>
+                  <a:schemeClr val="tx2"/>
+                </a:solidFill>
+              </a:rPr>
+              <a:t>NOTE: </a:t>
+            </a:r>
+          </a:p>
+          <a:p>
+            <a:pPr marL="3028950" lvl="6" indent="-285750">
+              <a:buSzPct val="110000"/>
+              <a:buFont typeface="Arial" panose="020B0604020202020204" pitchFamily="34" charset="0"/>
+              <a:buChar char="•"/>
+              <a:defRPr/>
+            </a:pPr>
+            <a:r>
+              <a:rPr lang="en-US" sz="2000" dirty="0" smtClean="0">
+                <a:solidFill>
+                  <a:schemeClr val="tx2"/>
+                </a:solidFill>
+              </a:rPr>
+              <a:t>Cross browser compatibility</a:t>
+            </a:r>
+          </a:p>
+          <a:p>
+            <a:pPr marL="3028950" lvl="6" indent="-285750">
+              <a:buSzPct val="110000"/>
+              <a:buFont typeface="Arial" panose="020B0604020202020204" pitchFamily="34" charset="0"/>
+              <a:buChar char="•"/>
+              <a:defRPr/>
+            </a:pPr>
+            <a:r>
+              <a:rPr lang="en-US" sz="2000" dirty="0" smtClean="0">
+                <a:solidFill>
+                  <a:schemeClr val="tx2"/>
+                </a:solidFill>
+              </a:rPr>
+              <a:t>Mobile compatibility</a:t>
+            </a:r>
+          </a:p>
+          <a:p>
+            <a:pPr marL="742950" lvl="1" indent="-285750">
+              <a:buSzPct val="110000"/>
+              <a:buFont typeface="Arial" panose="020B0604020202020204" pitchFamily="34" charset="0"/>
+              <a:buChar char="•"/>
+              <a:defRPr/>
+            </a:pPr>
+            <a:endParaRPr lang="en-US" sz="2000" dirty="0" smtClean="0">
+              <a:solidFill>
+                <a:schemeClr val="tx2"/>
+              </a:solidFill>
+            </a:endParaRPr>
+          </a:p>
+          <a:p>
+            <a:pPr marL="742950" lvl="1" indent="-285750">
+              <a:buSzPct val="110000"/>
+              <a:buFont typeface="Arial" panose="020B0604020202020204" pitchFamily="34" charset="0"/>
+              <a:buChar char="•"/>
+              <a:defRPr/>
+            </a:pPr>
+            <a:endParaRPr lang="en-US" sz="2000" dirty="0" smtClean="0">
+              <a:solidFill>
+                <a:schemeClr val="tx2"/>
+              </a:solidFill>
+            </a:endParaRPr>
+          </a:p>
+          <a:p>
+            <a:pPr>
+              <a:buSzPct val="110000"/>
+              <a:defRPr/>
+            </a:pPr>
+            <a:endParaRPr lang="en-US" sz="2000" dirty="0" smtClean="0">
+              <a:solidFill>
+                <a:schemeClr val="tx2"/>
+              </a:solidFill>
+            </a:endParaRPr>
+          </a:p>
+          <a:p>
+            <a:pPr marL="742950" lvl="1" indent="-285750">
+              <a:buSzPct val="110000"/>
+              <a:buFont typeface="Arial" panose="020B0604020202020204" pitchFamily="34" charset="0"/>
+              <a:buChar char="•"/>
+              <a:defRPr/>
+            </a:pPr>
+            <a:endParaRPr lang="en-US" sz="2400" dirty="0" smtClean="0">
+              <a:solidFill>
+                <a:schemeClr val="tx2"/>
+              </a:solidFill>
+            </a:endParaRPr>
+          </a:p>
+          <a:p>
+            <a:pPr marL="742950" lvl="1" indent="-285750">
+              <a:buSzPct val="110000"/>
+              <a:buFont typeface="Arial" panose="020B0604020202020204" pitchFamily="34" charset="0"/>
+              <a:buChar char="•"/>
+              <a:defRPr/>
+            </a:pPr>
+            <a:endParaRPr lang="en-US" sz="2000" dirty="0" smtClean="0">
+              <a:solidFill>
+                <a:schemeClr val="tx2"/>
+              </a:solidFill>
+            </a:endParaRPr>
+          </a:p>
+          <a:p>
+            <a:pPr marL="742950" lvl="1" indent="-285750">
+              <a:buSzPct val="110000"/>
+              <a:buFont typeface="Arial" panose="020B0604020202020204" pitchFamily="34" charset="0"/>
+              <a:buChar char="•"/>
+              <a:defRPr/>
+            </a:pPr>
+            <a:endParaRPr lang="en-US" sz="2000" dirty="0">
+              <a:solidFill>
+                <a:schemeClr val="tx2"/>
+              </a:solidFill>
+            </a:endParaRPr>
           </a:p>
           <a:p>
             <a:pPr lvl="1"/>
-            <a:r>
-              <a:rPr lang="en-US" sz="1600" dirty="0">
-                <a:solidFill>
-                  <a:schemeClr val="tx2"/>
-                </a:solidFill>
-              </a:rPr>
-              <a:t>Click the Start button , click Control Panel, click Programs, and then click Turn Windows features on or off. ...</a:t>
-            </a:r>
-          </a:p>
-          <a:p>
-            <a:pPr lvl="1"/>
-            <a:r>
-              <a:rPr lang="en-US" sz="1600" dirty="0">
-                <a:solidFill>
-                  <a:schemeClr val="tx2"/>
-                </a:solidFill>
-              </a:rPr>
-              <a:t>In the list of Windows features, select Internet Information Services, and then click OK.</a:t>
-            </a:r>
+            <a:endParaRPr lang="en-US" sz="1600" b="1" dirty="0">
+              <a:solidFill>
+                <a:schemeClr val="tx2"/>
+              </a:solidFill>
+            </a:endParaRPr>
           </a:p>
           <a:p>
             <a:pPr>
